--- a/PPTX/ADEDAPP.pptx
+++ b/PPTX/ADEDAPP.pptx
@@ -221,7 +221,7 @@
           <a:p>
             <a:fld id="{CD18E0D6-6212-E842-A73E-3B7FC6A8F192}" type="datetimeFigureOut">
               <a:rPr lang="es-ES_tradnl" smtClean="0"/>
-              <a:t>28/11/2020</a:t>
+              <a:t>06/01/2021</a:t>
             </a:fld>
             <a:endParaRPr lang="es-ES_tradnl"/>
           </a:p>
@@ -619,7 +619,7 @@
           <a:p>
             <a:fld id="{BFB120B0-2BAF-C849-945E-F9FEF71CE641}" type="datetimeFigureOut">
               <a:rPr lang="es-PA" smtClean="0"/>
-              <a:t>28/11/20</a:t>
+              <a:t>6/1/21</a:t>
             </a:fld>
             <a:endParaRPr lang="es-PA"/>
           </a:p>
@@ -765,7 +765,7 @@
           <a:p>
             <a:fld id="{BFB120B0-2BAF-C849-945E-F9FEF71CE641}" type="datetimeFigureOut">
               <a:rPr lang="es-PA" smtClean="0"/>
-              <a:t>28/11/20</a:t>
+              <a:t>6/1/21</a:t>
             </a:fld>
             <a:endParaRPr lang="es-PA"/>
           </a:p>
@@ -921,7 +921,7 @@
           <a:p>
             <a:fld id="{BFB120B0-2BAF-C849-945E-F9FEF71CE641}" type="datetimeFigureOut">
               <a:rPr lang="es-PA" smtClean="0"/>
-              <a:t>28/11/20</a:t>
+              <a:t>6/1/21</a:t>
             </a:fld>
             <a:endParaRPr lang="es-PA"/>
           </a:p>
@@ -1067,7 +1067,7 @@
           <a:p>
             <a:fld id="{BFB120B0-2BAF-C849-945E-F9FEF71CE641}" type="datetimeFigureOut">
               <a:rPr lang="es-PA" smtClean="0"/>
-              <a:t>28/11/20</a:t>
+              <a:t>6/1/21</a:t>
             </a:fld>
             <a:endParaRPr lang="es-PA"/>
           </a:p>
@@ -1316,7 +1316,7 @@
           <a:p>
             <a:fld id="{BFB120B0-2BAF-C849-945E-F9FEF71CE641}" type="datetimeFigureOut">
               <a:rPr lang="es-PA" smtClean="0"/>
-              <a:t>28/11/20</a:t>
+              <a:t>6/1/21</a:t>
             </a:fld>
             <a:endParaRPr lang="es-PA"/>
           </a:p>
@@ -1401,12 +1401,12 @@
             <a:spLocks noGrp="1"/>
           </p:cNvSpPr>
           <p:nvPr>
-            <p:ph type="title"/>
+            <p:ph type="title" hasCustomPrompt="1"/>
           </p:nvPr>
         </p:nvSpPr>
         <p:spPr>
           <a:xfrm>
-            <a:off x="1311563" y="18256"/>
+            <a:off x="1510723" y="136524"/>
             <a:ext cx="5975927" cy="729890"/>
           </a:xfrm>
         </p:spPr>
@@ -1416,7 +1416,7 @@
             <a:lvl1pPr>
               <a:defRPr>
                 <a:solidFill>
-                  <a:schemeClr val="bg1"/>
+                  <a:srgbClr val="FFA400"/>
                 </a:solidFill>
               </a:defRPr>
             </a:lvl1pPr>
@@ -1479,7 +1479,7 @@
           <a:p>
             <a:fld id="{BFB120B0-2BAF-C849-945E-F9FEF71CE641}" type="datetimeFigureOut">
               <a:rPr lang="es-PA" smtClean="0"/>
-              <a:t>28/11/20</a:t>
+              <a:t>6/1/21</a:t>
             </a:fld>
             <a:endParaRPr lang="es-PA"/>
           </a:p>
@@ -1846,7 +1846,7 @@
           <a:p>
             <a:fld id="{BFB120B0-2BAF-C849-945E-F9FEF71CE641}" type="datetimeFigureOut">
               <a:rPr lang="es-PA" smtClean="0"/>
-              <a:t>28/11/20</a:t>
+              <a:t>6/1/21</a:t>
             </a:fld>
             <a:endParaRPr lang="es-PA"/>
           </a:p>
@@ -1964,7 +1964,7 @@
           <a:p>
             <a:fld id="{BFB120B0-2BAF-C849-945E-F9FEF71CE641}" type="datetimeFigureOut">
               <a:rPr lang="es-PA" smtClean="0"/>
-              <a:t>28/11/20</a:t>
+              <a:t>6/1/21</a:t>
             </a:fld>
             <a:endParaRPr lang="es-PA"/>
           </a:p>
@@ -2059,7 +2059,7 @@
           <a:p>
             <a:fld id="{BFB120B0-2BAF-C849-945E-F9FEF71CE641}" type="datetimeFigureOut">
               <a:rPr lang="es-PA" smtClean="0"/>
-              <a:t>28/11/20</a:t>
+              <a:t>6/1/21</a:t>
             </a:fld>
             <a:endParaRPr lang="es-PA"/>
           </a:p>
@@ -2317,7 +2317,7 @@
           <a:p>
             <a:fld id="{BFB120B0-2BAF-C849-945E-F9FEF71CE641}" type="datetimeFigureOut">
               <a:rPr lang="es-PA" smtClean="0"/>
-              <a:t>28/11/20</a:t>
+              <a:t>6/1/21</a:t>
             </a:fld>
             <a:endParaRPr lang="es-PA"/>
           </a:p>
@@ -2579,7 +2579,7 @@
           <a:p>
             <a:fld id="{BFB120B0-2BAF-C849-945E-F9FEF71CE641}" type="datetimeFigureOut">
               <a:rPr lang="es-PA" smtClean="0"/>
-              <a:t>28/11/20</a:t>
+              <a:t>6/1/21</a:t>
             </a:fld>
             <a:endParaRPr lang="es-PA"/>
           </a:p>
@@ -2777,7 +2777,7 @@
           <a:p>
             <a:fld id="{BFB120B0-2BAF-C849-945E-F9FEF71CE641}" type="datetimeFigureOut">
               <a:rPr lang="es-PA" smtClean="0"/>
-              <a:t>28/11/20</a:t>
+              <a:t>6/1/21</a:t>
             </a:fld>
             <a:endParaRPr lang="es-PA"/>
           </a:p>
